--- a/2019-03.14-15-PNNL-SWC.pptx
+++ b/2019-03.14-15-PNNL-SWC.pptx
@@ -211,7 +211,7 @@
           <a:p>
             <a:fld id="{566F51A3-093D-1C4D-A97E-F1FDED36B0BF}" type="datetimeFigureOut">
               <a:rPr lang="en-US" smtClean="0"/>
-              <a:t>2/1/19</a:t>
+              <a:t>2/6/19</a:t>
             </a:fld>
             <a:endParaRPr lang="en-US"/>
           </a:p>
@@ -376,7 +376,7 @@
           <a:p>
             <a:fld id="{17DF660C-547B-6447-B742-6F8949B29A2A}" type="datetimeFigureOut">
               <a:rPr lang="en-US" smtClean="0"/>
-              <a:t>2/1/19</a:t>
+              <a:t>2/6/19</a:t>
             </a:fld>
             <a:endParaRPr lang="en-US"/>
           </a:p>
@@ -1404,77 +1404,144 @@
           <a:chExt cx="0" cy="0"/>
         </a:xfrm>
       </p:grpSpPr>
-      <p:sp>
-        <p:nvSpPr>
-          <p:cNvPr id="2" name="TextBox 1"/>
-          <p:cNvSpPr txBox="1"/>
-          <p:nvPr/>
-        </p:nvSpPr>
-        <p:spPr>
-          <a:xfrm>
-            <a:off x="914400" y="685800"/>
-            <a:ext cx="13269082" cy="2804614"/>
-          </a:xfrm>
-          <a:prstGeom prst="rect">
-            <a:avLst/>
-          </a:prstGeom>
-          <a:noFill/>
-        </p:spPr>
-        <p:txBody>
-          <a:bodyPr wrap="none" lIns="0" tIns="34290" rIns="0" bIns="0" rtlCol="0">
-            <a:spAutoFit/>
-          </a:bodyPr>
-          <a:lstStyle/>
-          <a:p>
-            <a:r>
-              <a:rPr lang="en-US" sz="7200" b="1" dirty="0">
-                <a:solidFill>
-                  <a:schemeClr val="bg1"/>
-                </a:solidFill>
-                <a:latin typeface="Arial"/>
-                <a:cs typeface="Arial"/>
-              </a:rPr>
-              <a:t>Software Carpentry Workshop</a:t>
-            </a:r>
-          </a:p>
-          <a:p>
-            <a:r>
-              <a:rPr lang="en-US" sz="3600" dirty="0">
-                <a:solidFill>
-                  <a:schemeClr val="bg1"/>
-                </a:solidFill>
-                <a:latin typeface="Arial"/>
-                <a:cs typeface="Arial"/>
-              </a:rPr>
-              <a:t>9am-4:30pm March 14-15, 2019</a:t>
-            </a:r>
-          </a:p>
-          <a:p>
-            <a:r>
-              <a:rPr lang="en-US" sz="3600" dirty="0">
-                <a:solidFill>
-                  <a:schemeClr val="bg1"/>
-                </a:solidFill>
-                <a:latin typeface="Arial"/>
-                <a:cs typeface="Arial"/>
-              </a:rPr>
-              <a:t>Frontier Room, 3400 Discovery Hall, Horn Rapids Road</a:t>
-            </a:r>
-          </a:p>
-          <a:p>
-            <a:r>
-              <a:rPr lang="en-US" sz="3600" dirty="0">
-                <a:solidFill>
-                  <a:schemeClr val="bg1"/>
-                </a:solidFill>
-                <a:latin typeface="Arial"/>
-                <a:cs typeface="Arial"/>
-              </a:rPr>
-              <a:t>Richland, WA 99352</a:t>
-            </a:r>
-          </a:p>
-        </p:txBody>
-      </p:sp>
+      <mc:AlternateContent xmlns:mc="http://schemas.openxmlformats.org/markup-compatibility/2006">
+        <mc:Choice xmlns:a14="http://schemas.microsoft.com/office/drawing/2010/main" Requires="a14">
+          <p:sp>
+            <p:nvSpPr>
+              <p:cNvPr id="2" name="TextBox 1"/>
+              <p:cNvSpPr txBox="1"/>
+              <p:nvPr/>
+            </p:nvSpPr>
+            <p:spPr>
+              <a:xfrm>
+                <a:off x="527059" y="187036"/>
+                <a:ext cx="13269017" cy="3453381"/>
+              </a:xfrm>
+              <a:prstGeom prst="rect">
+                <a:avLst/>
+              </a:prstGeom>
+              <a:noFill/>
+            </p:spPr>
+            <p:txBody>
+              <a:bodyPr wrap="none" lIns="0" tIns="34290" rIns="0" bIns="0" rtlCol="0">
+                <a:spAutoFit/>
+              </a:bodyPr>
+              <a:lstStyle/>
+              <a:p>
+                <a:r>
+                  <a:rPr lang="en-US" sz="7200" b="1" dirty="0">
+                    <a:solidFill>
+                      <a:schemeClr val="bg1"/>
+                    </a:solidFill>
+                    <a:latin typeface="Arial"/>
+                    <a:cs typeface="Arial"/>
+                  </a:rPr>
+                  <a:t>Celebrate </a:t>
+                </a:r>
+                <a14:m>
+                  <m:oMath xmlns:m="http://schemas.openxmlformats.org/officeDocument/2006/math">
+                    <m:r>
+                      <a:rPr lang="en-US" sz="8000" b="1" i="1" dirty="0" smtClean="0">
+                        <a:solidFill>
+                          <a:schemeClr val="bg1"/>
+                        </a:solidFill>
+                        <a:latin typeface="Cambria Math" panose="02040503050406030204" pitchFamily="18" charset="0"/>
+                        <a:ea typeface="Cambria Math" panose="02040503050406030204" pitchFamily="18" charset="0"/>
+                        <a:cs typeface="Arial"/>
+                      </a:rPr>
+                      <m:t>𝝅</m:t>
+                    </m:r>
+                  </m:oMath>
+                </a14:m>
+                <a:r>
+                  <a:rPr lang="en-US" sz="7200" b="1" dirty="0">
+                    <a:solidFill>
+                      <a:schemeClr val="bg1"/>
+                    </a:solidFill>
+                    <a:latin typeface="Arial"/>
+                    <a:cs typeface="Arial"/>
+                  </a:rPr>
+                  <a:t> day with a</a:t>
+                </a:r>
+              </a:p>
+              <a:p>
+                <a:r>
+                  <a:rPr lang="en-US" sz="7200" b="1" dirty="0">
+                    <a:solidFill>
+                      <a:schemeClr val="bg1"/>
+                    </a:solidFill>
+                    <a:latin typeface="Arial"/>
+                    <a:cs typeface="Arial"/>
+                  </a:rPr>
+                  <a:t>Software Carpentry Workshop</a:t>
+                </a:r>
+              </a:p>
+              <a:p>
+                <a:r>
+                  <a:rPr lang="en-US" sz="3600" dirty="0">
+                    <a:solidFill>
+                      <a:schemeClr val="bg1"/>
+                    </a:solidFill>
+                    <a:latin typeface="Arial"/>
+                    <a:cs typeface="Arial"/>
+                  </a:rPr>
+                  <a:t>9am-4:30pm March 14-15, 2019</a:t>
+                </a:r>
+              </a:p>
+              <a:p>
+                <a:r>
+                  <a:rPr lang="en-US" sz="3600" dirty="0">
+                    <a:solidFill>
+                      <a:schemeClr val="bg1"/>
+                    </a:solidFill>
+                    <a:latin typeface="Arial"/>
+                    <a:cs typeface="Arial"/>
+                  </a:rPr>
+                  <a:t>Frontier Room, 3400 Discovery Hall, Horn Rapids Road</a:t>
+                </a:r>
+              </a:p>
+            </p:txBody>
+          </p:sp>
+        </mc:Choice>
+        <mc:Fallback>
+          <p:sp>
+            <p:nvSpPr>
+              <p:cNvPr id="2" name="TextBox 1"/>
+              <p:cNvSpPr txBox="1">
+                <a:spLocks noRot="1" noChangeAspect="1" noMove="1" noResize="1" noEditPoints="1" noAdjustHandles="1" noChangeArrowheads="1" noChangeShapeType="1" noTextEdit="1"/>
+              </p:cNvSpPr>
+              <p:nvPr/>
+            </p:nvSpPr>
+            <p:spPr>
+              <a:xfrm>
+                <a:off x="527059" y="187036"/>
+                <a:ext cx="13269017" cy="3453381"/>
+              </a:xfrm>
+              <a:prstGeom prst="rect">
+                <a:avLst/>
+              </a:prstGeom>
+              <a:blipFill>
+                <a:blip r:embed="rId3"/>
+                <a:stretch>
+                  <a:fillRect l="-4019" t="-4762" r="-3158" b="-6593"/>
+                </a:stretch>
+              </a:blipFill>
+            </p:spPr>
+            <p:txBody>
+              <a:bodyPr/>
+              <a:lstStyle/>
+              <a:p>
+                <a:r>
+                  <a:rPr lang="en-US">
+                    <a:noFill/>
+                  </a:rPr>
+                  <a:t> </a:t>
+                </a:r>
+              </a:p>
+            </p:txBody>
+          </p:sp>
+        </mc:Fallback>
+      </mc:AlternateContent>
       <p:grpSp>
         <p:nvGrpSpPr>
           <p:cNvPr id="3" name="Group 2"/>
@@ -1670,7 +1737,7 @@
                   </a:solidFill>
                   <a:latin typeface="Arial"/>
                   <a:cs typeface="Arial"/>
-                  <a:hlinkClick r:id="rId3"/>
+                  <a:hlinkClick r:id="rId4"/>
                 </a:rPr>
                 <a:t>Kurt.Glaesemann@pnnl.gov</a:t>
               </a:r>
@@ -1726,7 +1793,7 @@
                   </a:solidFill>
                   <a:latin typeface="Arial"/>
                   <a:cs typeface="Arial"/>
-                  <a:hlinkClick r:id="rId4"/>
+                  <a:hlinkClick r:id="rId5"/>
                 </a:rPr>
                 <a:t>Jeremy.Teuton@pnnl.gov</a:t>
               </a:r>
@@ -1788,7 +1855,7 @@
                   <a:latin typeface="Arial" charset="0"/>
                   <a:ea typeface="Arial" charset="0"/>
                   <a:cs typeface="Arial" charset="0"/>
-                  <a:hlinkClick r:id="rId5"/>
+                  <a:hlinkClick r:id="rId6"/>
                 </a:rPr>
                 <a:t>Juan.Brandi-Lozano@pnnl.gov</a:t>
               </a:r>
@@ -1862,7 +1929,7 @@
                   </a:solidFill>
                   <a:latin typeface="Arial"/>
                   <a:cs typeface="Arial"/>
-                  <a:hlinkClick r:id="rId6"/>
+                  <a:hlinkClick r:id="rId7"/>
                 </a:rPr>
                 <a:t>Jeremy.Zucker@pnnl.gov</a:t>
               </a:r>
@@ -1928,7 +1995,7 @@
                   </a:solidFill>
                   <a:latin typeface="Arial"/>
                   <a:cs typeface="Arial"/>
-                  <a:hlinkClick r:id="rId7"/>
+                  <a:hlinkClick r:id="rId8"/>
                 </a:rPr>
                 <a:t>Balwinder.Singh@pnnl.gov</a:t>
               </a:r>
@@ -2085,7 +2152,7 @@
           <p:nvPr/>
         </p:nvPicPr>
         <p:blipFill>
-          <a:blip r:embed="rId8">
+          <a:blip r:embed="rId9">
             <a:extLst>
               <a:ext uri="{28A0092B-C50C-407E-A947-70E740481C1C}">
                 <a14:useLocalDpi xmlns:a14="http://schemas.microsoft.com/office/drawing/2010/main" val="0"/>
@@ -2208,7 +2275,7 @@
             </a:r>
             <a:r>
               <a:rPr lang="en-US" u="sng" dirty="0">
-                <a:hlinkClick r:id="rId9"/>
+                <a:hlinkClick r:id="rId10"/>
               </a:rPr>
               <a:t>https://software-carpentry.org/pages/audience.html</a:t>
             </a:r>
@@ -2263,7 +2330,7 @@
         </p:nvSpPr>
         <p:spPr>
           <a:xfrm>
-            <a:off x="930910" y="15901459"/>
+            <a:off x="914400" y="15464142"/>
             <a:ext cx="15392400" cy="7940635"/>
           </a:xfrm>
           <a:prstGeom prst="rect">
@@ -2356,21 +2423,9 @@
             </a:r>
             <a:r>
               <a:rPr lang="en-US" u="sng" dirty="0">
-                <a:hlinkClick r:id="rId10"/>
+                <a:hlinkClick r:id="rId11"/>
               </a:rPr>
-              <a:t>https://pnnl-compbio.github.io</a:t>
-            </a:r>
-            <a:r>
-              <a:rPr lang="en-US" u="sng">
-                <a:hlinkClick r:id="rId10"/>
-              </a:rPr>
-              <a:t>/2019-03.14-15-PNNL-SWC</a:t>
-            </a:r>
-            <a:r>
-              <a:rPr lang="en-US" u="sng" dirty="0">
-                <a:hlinkClick r:id="rId10"/>
-              </a:rPr>
-              <a:t>/</a:t>
+              <a:t>https://pnnl-compbio.github.io/2019-03.14-15-PNNL-SWC/</a:t>
             </a:r>
             <a:endParaRPr lang="en-US" dirty="0"/>
           </a:p>
@@ -2401,56 +2456,6 @@
               <a:t>unable to attend, please send us your feedback so we can gauge interest for running this in the future.</a:t>
             </a:r>
             <a:endParaRPr lang="en-US" sz="2800" dirty="0"/>
-          </a:p>
-        </p:txBody>
-      </p:sp>
-      <p:sp>
-        <p:nvSpPr>
-          <p:cNvPr id="14" name="TextBox 13"/>
-          <p:cNvSpPr txBox="1"/>
-          <p:nvPr/>
-        </p:nvSpPr>
-        <p:spPr>
-          <a:xfrm>
-            <a:off x="930910" y="14898561"/>
-            <a:ext cx="15697200" cy="1523494"/>
-          </a:xfrm>
-          <a:prstGeom prst="rect">
-            <a:avLst/>
-          </a:prstGeom>
-          <a:noFill/>
-        </p:spPr>
-        <p:txBody>
-          <a:bodyPr wrap="square" rtlCol="0">
-            <a:spAutoFit/>
-          </a:bodyPr>
-          <a:lstStyle/>
-          <a:p>
-            <a:r>
-              <a:rPr lang="en-US" b="1" dirty="0"/>
-              <a:t>Registration: </a:t>
-            </a:r>
-          </a:p>
-          <a:p>
-            <a:r>
-              <a:rPr lang="en-US" dirty="0"/>
-              <a:t>https://</a:t>
-            </a:r>
-            <a:r>
-              <a:rPr lang="en-US" dirty="0" err="1"/>
-              <a:t>pnnl-compbio.github.io</a:t>
-            </a:r>
-            <a:r>
-              <a:rPr lang="en-US" dirty="0"/>
-              <a:t>/2019-03.14-15-PNNL-SWC/</a:t>
-            </a:r>
-          </a:p>
-          <a:p>
-            <a:r>
-              <a:rPr lang="en-US" b="1" dirty="0"/>
-              <a:t> </a:t>
-            </a:r>
-            <a:endParaRPr lang="en-US" dirty="0"/>
           </a:p>
         </p:txBody>
       </p:sp>
